--- a/building-ai-applications/ready/05__Langchain.pptx
+++ b/building-ai-applications/ready/05__Langchain.pptx
@@ -5,42 +5,42 @@
     <p:sldMasterId id="2147483651" r:id="rId1"/>
   </p:sldMasterIdLst>
   <p:notesMasterIdLst>
-    <p:notesMasterId r:id="rId32"/>
+    <p:notesMasterId r:id="rId2"/>
   </p:notesMasterIdLst>
   <p:handoutMasterIdLst>
-    <p:handoutMasterId r:id="rId33"/>
+    <p:handoutMasterId r:id="rId3"/>
   </p:handoutMasterIdLst>
   <p:sldIdLst>
-    <p:sldId id="256" r:id="rId2"/>
-    <p:sldId id="257" r:id="rId3"/>
-    <p:sldId id="258" r:id="rId4"/>
-    <p:sldId id="259" r:id="rId5"/>
-    <p:sldId id="260" r:id="rId6"/>
-    <p:sldId id="261" r:id="rId7"/>
-    <p:sldId id="262" r:id="rId8"/>
-    <p:sldId id="263" r:id="rId9"/>
-    <p:sldId id="264" r:id="rId10"/>
-    <p:sldId id="265" r:id="rId11"/>
-    <p:sldId id="266" r:id="rId12"/>
-    <p:sldId id="267" r:id="rId13"/>
-    <p:sldId id="268" r:id="rId14"/>
-    <p:sldId id="269" r:id="rId15"/>
-    <p:sldId id="270" r:id="rId16"/>
-    <p:sldId id="271" r:id="rId17"/>
-    <p:sldId id="273" r:id="rId18"/>
-    <p:sldId id="274" r:id="rId19"/>
-    <p:sldId id="275" r:id="rId20"/>
-    <p:sldId id="276" r:id="rId21"/>
-    <p:sldId id="278" r:id="rId22"/>
-    <p:sldId id="279" r:id="rId23"/>
-    <p:sldId id="280" r:id="rId24"/>
-    <p:sldId id="281" r:id="rId25"/>
-    <p:sldId id="282" r:id="rId26"/>
-    <p:sldId id="283" r:id="rId27"/>
-    <p:sldId id="284" r:id="rId28"/>
-    <p:sldId id="285" r:id="rId29"/>
-    <p:sldId id="286" r:id="rId30"/>
-    <p:sldId id="287" r:id="rId31"/>
+    <p:sldId id="256" r:id="rId9"/>
+    <p:sldId id="257" r:id="rId10"/>
+    <p:sldId id="258" r:id="rId11"/>
+    <p:sldId id="259" r:id="rId12"/>
+    <p:sldId id="260" r:id="rId13"/>
+    <p:sldId id="261" r:id="rId14"/>
+    <p:sldId id="262" r:id="rId15"/>
+    <p:sldId id="263" r:id="rId16"/>
+    <p:sldId id="264" r:id="rId17"/>
+    <p:sldId id="265" r:id="rId18"/>
+    <p:sldId id="266" r:id="rId19"/>
+    <p:sldId id="267" r:id="rId20"/>
+    <p:sldId id="268" r:id="rId21"/>
+    <p:sldId id="269" r:id="rId22"/>
+    <p:sldId id="270" r:id="rId23"/>
+    <p:sldId id="271" r:id="rId24"/>
+    <p:sldId id="272" r:id="rId25"/>
+    <p:sldId id="273" r:id="rId26"/>
+    <p:sldId id="274" r:id="rId27"/>
+    <p:sldId id="275" r:id="rId28"/>
+    <p:sldId id="276" r:id="rId29"/>
+    <p:sldId id="277" r:id="rId30"/>
+    <p:sldId id="278" r:id="rId31"/>
+    <p:sldId id="279" r:id="rId32"/>
+    <p:sldId id="280" r:id="rId33"/>
+    <p:sldId id="281" r:id="rId34"/>
+    <p:sldId id="282" r:id="rId35"/>
+    <p:sldId id="283" r:id="rId36"/>
+    <p:sldId id="284" r:id="rId37"/>
+    <p:sldId id="285" r:id="rId38"/>
   </p:sldIdLst>
   <p:sldSz cx="9372600" cy="8297863"/>
   <p:notesSz cx="7315200" cy="9601200"/>
@@ -208,7 +208,9 @@
   <p:cmAuthor id="2" name="Mark Kerzner" initials="MK" lastIdx="6" clrIdx="1"/>
   <p:cmAuthor id="3" name="Mary Beth Conlee" initials="MBC" lastIdx="7" clrIdx="2"/>
   <p:cmAuthor id="4" name="Michelle" initials="M" lastIdx="5" clrIdx="3"/>
-  <p:cmAuthor id="5" name="Tricia Murphy" initials="TM" lastIdx="4" clrIdx="4"/>
+  <p:cmAuthor id="5" name="Tricia Murphy" initials="TM" lastIdx="4" clrIdx="4">
+    <p:extLst/>
+  </p:cmAuthor>
 </p:cmAuthorLst>
 </file>
 
@@ -2291,7 +2293,7 @@
 </file>
 
 <file path=ppt/slides/slide1.xml><?xml version="1.0" encoding="utf-8"?>
-<p:sld xmlns:a="http://schemas.openxmlformats.org/drawingml/2006/main" xmlns:r="http://schemas.openxmlformats.org/officeDocument/2006/relationships" xmlns:p="http://schemas.openxmlformats.org/presentationml/2006/main">
+<p:sld xmlns:a="http://schemas.openxmlformats.org/drawingml/2006/main" xmlns:p="http://schemas.openxmlformats.org/presentationml/2006/main" xmlns:r="http://schemas.openxmlformats.org/officeDocument/2006/relationships">
   <p:cSld>
     <p:spTree>
       <p:nvGrpSpPr>
@@ -2299,14 +2301,7 @@
         <p:cNvGrpSpPr/>
         <p:nvPr/>
       </p:nvGrpSpPr>
-      <p:grpSpPr>
-        <a:xfrm>
-          <a:off x="0" y="0"/>
-          <a:ext cx="0" cy="0"/>
-          <a:chOff x="0" y="0"/>
-          <a:chExt cx="0" cy="0"/>
-        </a:xfrm>
-      </p:grpSpPr>
+      <p:grpSpPr/>
       <p:sp>
         <p:nvSpPr>
           <p:cNvPr id="2" name="Subtitle 1"/>
@@ -2314,15 +2309,10 @@
             <a:spLocks noGrp="1"/>
           </p:cNvSpPr>
           <p:nvPr>
-            <p:ph type="subTitle" sz="quarter" idx="1"/>
-          </p:nvPr>
-        </p:nvSpPr>
-        <p:spPr>
-          <a:xfrm>
-            <a:off x="2498726" y="4984481"/>
-            <a:ext cx="6335713" cy="2462788"/>
-          </a:xfrm>
-        </p:spPr>
+            <p:ph type="subTitle" idx="1" sz="quarter"/>
+          </p:nvPr>
+        </p:nvSpPr>
+        <p:spPr/>
         <p:txBody>
           <a:bodyPr/>
           <a:lstStyle/>
@@ -2331,38 +2321,31 @@
               <a:defRPr sz="2300"/>
             </a:pPr>
             <a:r>
-              <a:rPr sz="2200" dirty="0"/>
               <a:t>Model, Prompts, and Parsers</a:t>
             </a:r>
           </a:p>
           <a:p>
             <a:r>
-              <a:rPr sz="2200" dirty="0"/>
               <a:t>Memory</a:t>
             </a:r>
           </a:p>
           <a:p>
             <a:r>
-              <a:rPr sz="2200" dirty="0"/>
               <a:t>Chain</a:t>
             </a:r>
           </a:p>
           <a:p>
             <a:r>
-              <a:rPr sz="2200" dirty="0" err="1"/>
               <a:t>QnA</a:t>
             </a:r>
-            <a:endParaRPr sz="2200" dirty="0"/>
-          </a:p>
-          <a:p>
-            <a:r>
-              <a:rPr sz="2200" dirty="0"/>
+          </a:p>
+          <a:p>
+            <a:r>
               <a:t>Evaluation</a:t>
             </a:r>
           </a:p>
           <a:p>
             <a:r>
-              <a:rPr sz="2200" dirty="0"/>
               <a:t>Functional Conversations</a:t>
             </a:r>
           </a:p>
@@ -2386,12 +2369,12 @@
           <a:lstStyle/>
           <a:p>
             <a:r>
-              <a:rPr lang="en-US" sz="4200" b="1" i="0" dirty="0" err="1">
+              <a:rPr sz="4200" b="1" i="0">
                 <a:latin typeface="Times New Roman"/>
               </a:rPr>
               <a:t>Langchain</a:t>
             </a:r>
-            <a:endParaRPr sz="4200" b="1" i="0" dirty="0">
+            <a:endParaRPr sz="4200" b="1" i="0">
               <a:latin typeface="Times New Roman"/>
             </a:endParaRPr>
           </a:p>
@@ -2439,7 +2422,7 @@
 </file>
 
 <file path=ppt/slides/slide10.xml><?xml version="1.0" encoding="utf-8"?>
-<p:sld xmlns:a="http://schemas.openxmlformats.org/drawingml/2006/main" xmlns:r="http://schemas.openxmlformats.org/officeDocument/2006/relationships" xmlns:p="http://schemas.openxmlformats.org/presentationml/2006/main">
+<p:sld xmlns:a="http://schemas.openxmlformats.org/drawingml/2006/main" xmlns:p="http://schemas.openxmlformats.org/presentationml/2006/main" xmlns:r="http://schemas.openxmlformats.org/officeDocument/2006/relationships">
   <p:cSld>
     <p:spTree>
       <p:nvGrpSpPr>
@@ -2447,14 +2430,7 @@
         <p:cNvGrpSpPr/>
         <p:nvPr/>
       </p:nvGrpSpPr>
-      <p:grpSpPr>
-        <a:xfrm>
-          <a:off x="0" y="0"/>
-          <a:ext cx="0" cy="0"/>
-          <a:chOff x="0" y="0"/>
-          <a:chExt cx="0" cy="0"/>
-        </a:xfrm>
-      </p:grpSpPr>
+      <p:grpSpPr/>
       <p:sp>
         <p:nvSpPr>
           <p:cNvPr id="2" name="Title 1"/>
@@ -2571,7 +2547,7 @@
 </file>
 
 <file path=ppt/slides/slide11.xml><?xml version="1.0" encoding="utf-8"?>
-<p:sld xmlns:a="http://schemas.openxmlformats.org/drawingml/2006/main" xmlns:r="http://schemas.openxmlformats.org/officeDocument/2006/relationships" xmlns:p="http://schemas.openxmlformats.org/presentationml/2006/main">
+<p:sld xmlns:a="http://schemas.openxmlformats.org/drawingml/2006/main" xmlns:p="http://schemas.openxmlformats.org/presentationml/2006/main" xmlns:r="http://schemas.openxmlformats.org/officeDocument/2006/relationships">
   <p:cSld>
     <p:spTree>
       <p:nvGrpSpPr>
@@ -2579,14 +2555,7 @@
         <p:cNvGrpSpPr/>
         <p:nvPr/>
       </p:nvGrpSpPr>
-      <p:grpSpPr>
-        <a:xfrm>
-          <a:off x="0" y="0"/>
-          <a:ext cx="0" cy="0"/>
-          <a:chOff x="0" y="0"/>
-          <a:chExt cx="0" cy="0"/>
-        </a:xfrm>
-      </p:grpSpPr>
+      <p:grpSpPr/>
       <p:sp>
         <p:nvSpPr>
           <p:cNvPr id="2" name="Title 1"/>
@@ -2624,34 +2593,22 @@
           <a:lstStyle/>
           <a:p>
             <a:r>
-              <a:rPr dirty="0"/>
               <a:t> Import required libraries:</a:t>
             </a:r>
-            <a:endParaRPr lang="en-US" dirty="0"/>
-          </a:p>
-          <a:p>
-            <a:endParaRPr lang="en-US" dirty="0"/>
-          </a:p>
-          <a:p>
-            <a:endParaRPr dirty="0"/>
-          </a:p>
-          <a:p>
-            <a:endParaRPr dirty="0"/>
-          </a:p>
-          <a:p>
-            <a:r>
-              <a:rPr b="1" dirty="0"/>
+          </a:p>
+          <a:p/>
+          <a:p>
+            <a:r>
+              <a:rPr b="1"/>
               <a:t> What this does</a:t>
             </a:r>
             <a:r>
-              <a:rPr dirty="0"/>
               <a:t> :</a:t>
             </a:r>
           </a:p>
           <a:p>
             <a:pPr lvl="1"/>
             <a:r>
-              <a:rPr dirty="0"/>
               <a:t> Sets up the tools needed to store and retrieve conversation history for creating coherent multi-turn interactions.</a:t>
             </a:r>
           </a:p>
@@ -2706,8 +2663,8 @@
         </p:blipFill>
         <p:spPr>
           <a:xfrm>
-            <a:off x="708321" y="1710531"/>
-            <a:ext cx="7940379" cy="665523"/>
+            <a:off x="0" y="1353312"/>
+            <a:ext cx="8788400" cy="787400"/>
           </a:xfrm>
           <a:prstGeom prst="rect">
             <a:avLst/>
@@ -2723,7 +2680,7 @@
 </file>
 
 <file path=ppt/slides/slide12.xml><?xml version="1.0" encoding="utf-8"?>
-<p:sld xmlns:a="http://schemas.openxmlformats.org/drawingml/2006/main" xmlns:r="http://schemas.openxmlformats.org/officeDocument/2006/relationships" xmlns:p="http://schemas.openxmlformats.org/presentationml/2006/main">
+<p:sld xmlns:a="http://schemas.openxmlformats.org/drawingml/2006/main" xmlns:p="http://schemas.openxmlformats.org/presentationml/2006/main" xmlns:r="http://schemas.openxmlformats.org/officeDocument/2006/relationships">
   <p:cSld>
     <p:spTree>
       <p:nvGrpSpPr>
@@ -2731,14 +2688,7 @@
         <p:cNvGrpSpPr/>
         <p:nvPr/>
       </p:nvGrpSpPr>
-      <p:grpSpPr>
-        <a:xfrm>
-          <a:off x="0" y="0"/>
-          <a:ext cx="0" cy="0"/>
-          <a:chOff x="0" y="0"/>
-          <a:chExt cx="0" cy="0"/>
-        </a:xfrm>
-      </p:grpSpPr>
+      <p:grpSpPr/>
       <p:sp>
         <p:nvSpPr>
           <p:cNvPr id="2" name="Title 1"/>
@@ -2776,40 +2726,24 @@
           <a:lstStyle/>
           <a:p>
             <a:r>
-              <a:rPr dirty="0"/>
               <a:t> Example of a conversation buffer memory:</a:t>
             </a:r>
-            <a:endParaRPr lang="en-US" dirty="0"/>
-          </a:p>
-          <a:p>
-            <a:endParaRPr lang="en-US" dirty="0"/>
-          </a:p>
-          <a:p>
-            <a:endParaRPr dirty="0"/>
-          </a:p>
-          <a:p>
-            <a:endParaRPr dirty="0"/>
-          </a:p>
-          <a:p>
-            <a:endParaRPr dirty="0"/>
-          </a:p>
-          <a:p>
-            <a:endParaRPr dirty="0"/>
-          </a:p>
-          <a:p>
-            <a:r>
-              <a:rPr b="1" dirty="0"/>
+          </a:p>
+          <a:p/>
+          <a:p/>
+          <a:p/>
+          <a:p>
+            <a:r>
+              <a:rPr b="1"/>
               <a:t> What this does</a:t>
             </a:r>
             <a:r>
-              <a:rPr dirty="0"/>
               <a:t> :</a:t>
             </a:r>
           </a:p>
           <a:p>
             <a:pPr lvl="1"/>
             <a:r>
-              <a:rPr dirty="0"/>
               <a:t> Stores interactions to maintain context across a session, ensuring responses are contextual and relevant.</a:t>
             </a:r>
           </a:p>
@@ -2864,8 +2798,8 @@
         </p:blipFill>
         <p:spPr>
           <a:xfrm>
-            <a:off x="704088" y="1558131"/>
-            <a:ext cx="8178800" cy="1701800"/>
+            <a:off x="0" y="1353312"/>
+            <a:ext cx="8178800" cy="1854200"/>
           </a:xfrm>
           <a:prstGeom prst="rect">
             <a:avLst/>
@@ -2881,7 +2815,7 @@
 </file>
 
 <file path=ppt/slides/slide13.xml><?xml version="1.0" encoding="utf-8"?>
-<p:sld xmlns:a="http://schemas.openxmlformats.org/drawingml/2006/main" xmlns:r="http://schemas.openxmlformats.org/officeDocument/2006/relationships" xmlns:p="http://schemas.openxmlformats.org/presentationml/2006/main">
+<p:sld xmlns:a="http://schemas.openxmlformats.org/drawingml/2006/main" xmlns:p="http://schemas.openxmlformats.org/presentationml/2006/main" xmlns:r="http://schemas.openxmlformats.org/officeDocument/2006/relationships">
   <p:cSld>
     <p:spTree>
       <p:nvGrpSpPr>
@@ -2889,14 +2823,7 @@
         <p:cNvGrpSpPr/>
         <p:nvPr/>
       </p:nvGrpSpPr>
-      <p:grpSpPr>
-        <a:xfrm>
-          <a:off x="0" y="0"/>
-          <a:ext cx="0" cy="0"/>
-          <a:chOff x="0" y="0"/>
-          <a:chExt cx="0" cy="0"/>
-        </a:xfrm>
-      </p:grpSpPr>
+      <p:grpSpPr/>
       <p:sp>
         <p:nvSpPr>
           <p:cNvPr id="2" name="Title 1"/>
@@ -2934,37 +2861,23 @@
           <a:lstStyle/>
           <a:p>
             <a:r>
-              <a:rPr dirty="0"/>
               <a:t> Combine memory with conversational agents:</a:t>
             </a:r>
-            <a:endParaRPr lang="en-US" dirty="0"/>
-          </a:p>
-          <a:p>
-            <a:endParaRPr lang="en-US" dirty="0"/>
-          </a:p>
-          <a:p>
-            <a:endParaRPr dirty="0"/>
-          </a:p>
-          <a:p>
-            <a:endParaRPr dirty="0"/>
-          </a:p>
-          <a:p>
-            <a:endParaRPr dirty="0"/>
-          </a:p>
-          <a:p>
-            <a:r>
-              <a:rPr b="1" dirty="0"/>
+          </a:p>
+          <a:p/>
+          <a:p/>
+          <a:p>
+            <a:r>
+              <a:rPr b="1"/>
               <a:t> Why this matters</a:t>
             </a:r>
             <a:r>
-              <a:rPr dirty="0"/>
               <a:t> :</a:t>
             </a:r>
           </a:p>
           <a:p>
             <a:pPr lvl="1"/>
             <a:r>
-              <a:rPr dirty="0"/>
               <a:t> Enhances user experience by maintaining a history of interactions, enabling more meaningful and personalized conversations.</a:t>
             </a:r>
           </a:p>
@@ -3019,8 +2932,8 @@
         </p:blipFill>
         <p:spPr>
           <a:xfrm>
-            <a:off x="704088" y="1558131"/>
-            <a:ext cx="7416800" cy="1460500"/>
+            <a:off x="0" y="1353312"/>
+            <a:ext cx="7416800" cy="1587500"/>
           </a:xfrm>
           <a:prstGeom prst="rect">
             <a:avLst/>
@@ -3036,7 +2949,7 @@
 </file>
 
 <file path=ppt/slides/slide14.xml><?xml version="1.0" encoding="utf-8"?>
-<p:sld xmlns:a="http://schemas.openxmlformats.org/drawingml/2006/main" xmlns:r="http://schemas.openxmlformats.org/officeDocument/2006/relationships" xmlns:p="http://schemas.openxmlformats.org/presentationml/2006/main">
+<p:sld xmlns:a="http://schemas.openxmlformats.org/drawingml/2006/main" xmlns:p="http://schemas.openxmlformats.org/presentationml/2006/main" xmlns:r="http://schemas.openxmlformats.org/officeDocument/2006/relationships">
   <p:cSld>
     <p:spTree>
       <p:nvGrpSpPr>
@@ -3044,14 +2957,7 @@
         <p:cNvGrpSpPr/>
         <p:nvPr/>
       </p:nvGrpSpPr>
-      <p:grpSpPr>
-        <a:xfrm>
-          <a:off x="0" y="0"/>
-          <a:ext cx="0" cy="0"/>
-          <a:chOff x="0" y="0"/>
-          <a:chExt cx="0" cy="0"/>
-        </a:xfrm>
-      </p:grpSpPr>
+      <p:grpSpPr/>
       <p:sp>
         <p:nvSpPr>
           <p:cNvPr id="2" name="Title 1"/>
@@ -3169,7 +3075,7 @@
 </file>
 
 <file path=ppt/slides/slide15.xml><?xml version="1.0" encoding="utf-8"?>
-<p:sld xmlns:a="http://schemas.openxmlformats.org/drawingml/2006/main" xmlns:r="http://schemas.openxmlformats.org/officeDocument/2006/relationships" xmlns:p="http://schemas.openxmlformats.org/presentationml/2006/main">
+<p:sld xmlns:a="http://schemas.openxmlformats.org/drawingml/2006/main" xmlns:p="http://schemas.openxmlformats.org/presentationml/2006/main" xmlns:r="http://schemas.openxmlformats.org/officeDocument/2006/relationships">
   <p:cSld>
     <p:spTree>
       <p:nvGrpSpPr>
@@ -3177,14 +3083,7 @@
         <p:cNvGrpSpPr/>
         <p:nvPr/>
       </p:nvGrpSpPr>
-      <p:grpSpPr>
-        <a:xfrm>
-          <a:off x="0" y="0"/>
-          <a:ext cx="0" cy="0"/>
-          <a:chOff x="0" y="0"/>
-          <a:chExt cx="0" cy="0"/>
-        </a:xfrm>
-      </p:grpSpPr>
+      <p:grpSpPr/>
       <p:sp>
         <p:nvSpPr>
           <p:cNvPr id="2" name="Subtitle 1"/>
@@ -3192,15 +3091,10 @@
             <a:spLocks noGrp="1"/>
           </p:cNvSpPr>
           <p:nvPr>
-            <p:ph type="subTitle" sz="quarter" idx="1"/>
-          </p:nvPr>
-        </p:nvSpPr>
-        <p:spPr>
-          <a:xfrm>
-            <a:off x="2498726" y="4984481"/>
-            <a:ext cx="6335713" cy="2995242"/>
-          </a:xfrm>
-        </p:spPr>
+            <p:ph type="subTitle" idx="1" sz="quarter"/>
+          </p:nvPr>
+        </p:nvSpPr>
+        <p:spPr/>
         <p:txBody>
           <a:bodyPr/>
           <a:lstStyle/>
@@ -3209,25 +3103,28 @@
               <a:defRPr sz="2300"/>
             </a:pPr>
             <a:r>
-              <a:rPr dirty="0"/>
               <a:t>Model, Prompts, and Parsers
-Memory
 </a:t>
             </a:r>
             <a:r>
-              <a:rPr b="1" dirty="0"/>
+              <a:t>Memory
+</a:t>
+            </a:r>
+            <a:r>
+              <a:rPr b="1"/>
               <a:t>Chain
 </a:t>
             </a:r>
             <a:r>
-              <a:rPr dirty="0" err="1"/>
-              <a:t>QnA</a:t>
-            </a:r>
-            <a:r>
-              <a:rPr dirty="0"/>
-              <a:t>
-Evaluation
-Functional Conversations
+              <a:t>QnA
+</a:t>
+            </a:r>
+            <a:r>
+              <a:t>Evaluation
+</a:t>
+            </a:r>
+            <a:r>
+              <a:t>Functional Conversations
 </a:t>
             </a:r>
           </a:p>
@@ -3251,11 +3148,14 @@
           <a:lstStyle/>
           <a:p>
             <a:r>
-              <a:rPr sz="4200" b="1" i="0" dirty="0">
+              <a:rPr sz="4200" b="1" i="0">
                 <a:latin typeface="Times New Roman"/>
               </a:rPr>
               <a:t>Chain</a:t>
             </a:r>
+            <a:endParaRPr sz="4200" b="1" i="0">
+              <a:latin typeface="Times New Roman"/>
+            </a:endParaRPr>
           </a:p>
         </p:txBody>
       </p:sp>
@@ -3301,7 +3201,7 @@
 </file>
 
 <file path=ppt/slides/slide16.xml><?xml version="1.0" encoding="utf-8"?>
-<p:sld xmlns:a="http://schemas.openxmlformats.org/drawingml/2006/main" xmlns:r="http://schemas.openxmlformats.org/officeDocument/2006/relationships" xmlns:p="http://schemas.openxmlformats.org/presentationml/2006/main">
+<p:sld xmlns:a="http://schemas.openxmlformats.org/drawingml/2006/main" xmlns:p="http://schemas.openxmlformats.org/presentationml/2006/main" xmlns:r="http://schemas.openxmlformats.org/officeDocument/2006/relationships">
   <p:cSld>
     <p:spTree>
       <p:nvGrpSpPr>
@@ -3309,14 +3209,7 @@
         <p:cNvGrpSpPr/>
         <p:nvPr/>
       </p:nvGrpSpPr>
-      <p:grpSpPr>
-        <a:xfrm>
-          <a:off x="0" y="0"/>
-          <a:ext cx="0" cy="0"/>
-          <a:chOff x="0" y="0"/>
-          <a:chExt cx="0" cy="0"/>
-        </a:xfrm>
-      </p:grpSpPr>
+      <p:grpSpPr/>
       <p:sp>
         <p:nvSpPr>
           <p:cNvPr id="2" name="Title 1"/>
@@ -3433,7 +3326,7 @@
 </file>
 
 <file path=ppt/slides/slide17.xml><?xml version="1.0" encoding="utf-8"?>
-<p:sld xmlns:a="http://schemas.openxmlformats.org/drawingml/2006/main" xmlns:r="http://schemas.openxmlformats.org/officeDocument/2006/relationships" xmlns:p="http://schemas.openxmlformats.org/presentationml/2006/main">
+<p:sld xmlns:a="http://schemas.openxmlformats.org/drawingml/2006/main" xmlns:p="http://schemas.openxmlformats.org/presentationml/2006/main" xmlns:r="http://schemas.openxmlformats.org/officeDocument/2006/relationships">
   <p:cSld>
     <p:spTree>
       <p:nvGrpSpPr>
@@ -3441,14 +3334,7 @@
         <p:cNvGrpSpPr/>
         <p:nvPr/>
       </p:nvGrpSpPr>
-      <p:grpSpPr>
-        <a:xfrm>
-          <a:off x="0" y="0"/>
-          <a:ext cx="0" cy="0"/>
-          <a:chOff x="0" y="0"/>
-          <a:chExt cx="0" cy="0"/>
-        </a:xfrm>
-      </p:grpSpPr>
+      <p:grpSpPr/>
       <p:sp>
         <p:nvSpPr>
           <p:cNvPr id="2" name="Title 1"/>
@@ -3486,43 +3372,25 @@
           <a:lstStyle/>
           <a:p>
             <a:r>
-              <a:rPr dirty="0"/>
               <a:t> Example of a simple chain:</a:t>
             </a:r>
-            <a:endParaRPr lang="en-US" dirty="0"/>
-          </a:p>
-          <a:p>
-            <a:endParaRPr lang="en-US" dirty="0"/>
-          </a:p>
-          <a:p>
-            <a:endParaRPr dirty="0"/>
-          </a:p>
-          <a:p>
-            <a:endParaRPr dirty="0"/>
-          </a:p>
-          <a:p>
-            <a:endParaRPr dirty="0"/>
-          </a:p>
-          <a:p>
-            <a:endParaRPr dirty="0"/>
-          </a:p>
-          <a:p>
-            <a:endParaRPr dirty="0"/>
-          </a:p>
-          <a:p>
-            <a:r>
-              <a:rPr b="1" dirty="0"/>
+          </a:p>
+          <a:p/>
+          <a:p/>
+          <a:p/>
+          <a:p/>
+          <a:p>
+            <a:r>
+              <a:rPr b="1"/>
               <a:t> What this does</a:t>
             </a:r>
             <a:r>
-              <a:rPr dirty="0"/>
               <a:t> :</a:t>
             </a:r>
           </a:p>
           <a:p>
             <a:pPr lvl="1"/>
             <a:r>
-              <a:rPr dirty="0"/>
               <a:t> Combines multiple functions into a single pipeline, making workflows modular and easier to manage.</a:t>
             </a:r>
           </a:p>
@@ -3577,8 +3445,8 @@
         </p:blipFill>
         <p:spPr>
           <a:xfrm>
-            <a:off x="704088" y="1558131"/>
-            <a:ext cx="6959600" cy="2425700"/>
+            <a:off x="0" y="1353312"/>
+            <a:ext cx="6959600" cy="2654300"/>
           </a:xfrm>
           <a:prstGeom prst="rect">
             <a:avLst/>
@@ -3594,7 +3462,7 @@
 </file>
 
 <file path=ppt/slides/slide18.xml><?xml version="1.0" encoding="utf-8"?>
-<p:sld xmlns:a="http://schemas.openxmlformats.org/drawingml/2006/main" xmlns:r="http://schemas.openxmlformats.org/officeDocument/2006/relationships" xmlns:p="http://schemas.openxmlformats.org/presentationml/2006/main">
+<p:sld xmlns:a="http://schemas.openxmlformats.org/drawingml/2006/main" xmlns:p="http://schemas.openxmlformats.org/presentationml/2006/main" xmlns:r="http://schemas.openxmlformats.org/officeDocument/2006/relationships">
   <p:cSld>
     <p:spTree>
       <p:nvGrpSpPr>
@@ -3602,14 +3470,7 @@
         <p:cNvGrpSpPr/>
         <p:nvPr/>
       </p:nvGrpSpPr>
-      <p:grpSpPr>
-        <a:xfrm>
-          <a:off x="0" y="0"/>
-          <a:ext cx="0" cy="0"/>
-          <a:chOff x="0" y="0"/>
-          <a:chExt cx="0" cy="0"/>
-        </a:xfrm>
-      </p:grpSpPr>
+      <p:grpSpPr/>
       <p:sp>
         <p:nvSpPr>
           <p:cNvPr id="2" name="Title 1"/>
@@ -3647,53 +3508,32 @@
           <a:lstStyle/>
           <a:p>
             <a:r>
-              <a:rPr dirty="0"/>
-              <a:t> Explore advanced chains like </a:t>
-            </a:r>
-            <a:r>
-              <a:rPr dirty="0" err="1"/>
-              <a:t>SequentialChain</a:t>
-            </a:r>
-            <a:r>
-              <a:rPr dirty="0"/>
-              <a:t> and </a:t>
-            </a:r>
-            <a:r>
-              <a:rPr dirty="0" err="1"/>
-              <a:t>TransformChain</a:t>
-            </a:r>
-            <a:r>
-              <a:rPr dirty="0"/>
-              <a:t>.</a:t>
-            </a:r>
-          </a:p>
-          <a:p>
-            <a:r>
-              <a:rPr dirty="0"/>
+              <a:t> Explore advanced chains like SequentialChain and TransformChain.</a:t>
+            </a:r>
+          </a:p>
+          <a:p>
+            <a:r>
               <a:t> Combine chains with tools for dynamic task handling.</a:t>
             </a:r>
           </a:p>
           <a:p>
             <a:r>
-              <a:rPr b="1" dirty="0"/>
+              <a:rPr b="1"/>
               <a:t> Real-World Applications</a:t>
             </a:r>
             <a:r>
-              <a:rPr dirty="0"/>
               <a:t> :</a:t>
             </a:r>
           </a:p>
           <a:p>
             <a:pPr lvl="1"/>
             <a:r>
-              <a:rPr dirty="0"/>
               <a:t> Multi-step data processing.</a:t>
             </a:r>
           </a:p>
           <a:p>
             <a:pPr lvl="1"/>
             <a:r>
-              <a:rPr dirty="0"/>
               <a:t> Automated workflows for content generation and transformation.</a:t>
             </a:r>
           </a:p>
@@ -3741,7 +3581,7 @@
 </file>
 
 <file path=ppt/slides/slide19.xml><?xml version="1.0" encoding="utf-8"?>
-<p:sld xmlns:a="http://schemas.openxmlformats.org/drawingml/2006/main" xmlns:r="http://schemas.openxmlformats.org/officeDocument/2006/relationships" xmlns:p="http://schemas.openxmlformats.org/presentationml/2006/main">
+<p:sld xmlns:a="http://schemas.openxmlformats.org/drawingml/2006/main" xmlns:p="http://schemas.openxmlformats.org/presentationml/2006/main" xmlns:r="http://schemas.openxmlformats.org/officeDocument/2006/relationships">
   <p:cSld>
     <p:spTree>
       <p:nvGrpSpPr>
@@ -3749,14 +3589,7 @@
         <p:cNvGrpSpPr/>
         <p:nvPr/>
       </p:nvGrpSpPr>
-      <p:grpSpPr>
-        <a:xfrm>
-          <a:off x="0" y="0"/>
-          <a:ext cx="0" cy="0"/>
-          <a:chOff x="0" y="0"/>
-          <a:chExt cx="0" cy="0"/>
-        </a:xfrm>
-      </p:grpSpPr>
+      <p:grpSpPr/>
       <p:sp>
         <p:nvSpPr>
           <p:cNvPr id="2" name="Subtitle 1"/>
@@ -3764,15 +3597,10 @@
             <a:spLocks noGrp="1"/>
           </p:cNvSpPr>
           <p:nvPr>
-            <p:ph type="subTitle" sz="quarter" idx="1"/>
-          </p:nvPr>
-        </p:nvSpPr>
-        <p:spPr>
-          <a:xfrm>
-            <a:off x="2498726" y="4984481"/>
-            <a:ext cx="6335713" cy="2995242"/>
-          </a:xfrm>
-        </p:spPr>
+            <p:ph type="subTitle" idx="1" sz="quarter"/>
+          </p:nvPr>
+        </p:nvSpPr>
+        <p:spPr/>
         <p:txBody>
           <a:bodyPr/>
           <a:lstStyle/>
@@ -3781,25 +3609,28 @@
               <a:defRPr sz="2300"/>
             </a:pPr>
             <a:r>
-              <a:rPr dirty="0"/>
               <a:t>Model, Prompts, and Parsers
-Memory
-Chain
 </a:t>
             </a:r>
             <a:r>
-              <a:rPr b="1" dirty="0" err="1"/>
-              <a:t>QnA</a:t>
-            </a:r>
-            <a:r>
-              <a:rPr b="1" dirty="0"/>
-              <a:t>
+              <a:t>Memory
 </a:t>
             </a:r>
             <a:r>
-              <a:rPr dirty="0"/>
+              <a:t>Chain
+</a:t>
+            </a:r>
+            <a:r>
+              <a:rPr b="1"/>
+              <a:t>QnA
+</a:t>
+            </a:r>
+            <a:r>
               <a:t>Evaluation
-Functional Conversations
+</a:t>
+            </a:r>
+            <a:r>
+              <a:t>Functional Conversations
 </a:t>
             </a:r>
           </a:p>
@@ -3823,12 +3654,12 @@
           <a:lstStyle/>
           <a:p>
             <a:r>
-              <a:rPr sz="4200" b="1" i="0" dirty="0" err="1">
+              <a:rPr sz="4200" b="1" i="0">
                 <a:latin typeface="Times New Roman"/>
               </a:rPr>
               <a:t>QnA</a:t>
             </a:r>
-            <a:endParaRPr sz="4200" b="1" i="0" dirty="0">
+            <a:endParaRPr sz="4200" b="1" i="0">
               <a:latin typeface="Times New Roman"/>
             </a:endParaRPr>
           </a:p>
@@ -3876,7 +3707,7 @@
 </file>
 
 <file path=ppt/slides/slide2.xml><?xml version="1.0" encoding="utf-8"?>
-<p:sld xmlns:a="http://schemas.openxmlformats.org/drawingml/2006/main" xmlns:r="http://schemas.openxmlformats.org/officeDocument/2006/relationships" xmlns:p="http://schemas.openxmlformats.org/presentationml/2006/main">
+<p:sld xmlns:a="http://schemas.openxmlformats.org/drawingml/2006/main" xmlns:p="http://schemas.openxmlformats.org/presentationml/2006/main" xmlns:r="http://schemas.openxmlformats.org/officeDocument/2006/relationships">
   <p:cSld>
     <p:spTree>
       <p:nvGrpSpPr>
@@ -3884,14 +3715,7 @@
         <p:cNvGrpSpPr/>
         <p:nvPr/>
       </p:nvGrpSpPr>
-      <p:grpSpPr>
-        <a:xfrm>
-          <a:off x="0" y="0"/>
-          <a:ext cx="0" cy="0"/>
-          <a:chOff x="0" y="0"/>
-          <a:chExt cx="0" cy="0"/>
-        </a:xfrm>
-      </p:grpSpPr>
+      <p:grpSpPr/>
       <p:sp>
         <p:nvSpPr>
           <p:cNvPr id="2" name="Subtitle 1"/>
@@ -3899,15 +3723,10 @@
             <a:spLocks noGrp="1"/>
           </p:cNvSpPr>
           <p:nvPr>
-            <p:ph type="subTitle" sz="quarter" idx="1"/>
-          </p:nvPr>
-        </p:nvSpPr>
-        <p:spPr>
-          <a:xfrm>
-            <a:off x="2498726" y="4984481"/>
-            <a:ext cx="6335713" cy="2995242"/>
-          </a:xfrm>
-        </p:spPr>
+            <p:ph type="subTitle" idx="1" sz="quarter"/>
+          </p:nvPr>
+        </p:nvSpPr>
+        <p:spPr/>
         <p:txBody>
           <a:bodyPr/>
           <a:lstStyle/>
@@ -3916,25 +3735,28 @@
               <a:defRPr sz="2300"/>
             </a:pPr>
             <a:r>
-              <a:rPr b="1" dirty="0"/>
+              <a:rPr b="1"/>
               <a:t>Model, Prompts, and Parsers
 </a:t>
             </a:r>
             <a:r>
-              <a:rPr dirty="0"/>
               <a:t>Memory
-Chain
 </a:t>
             </a:r>
             <a:r>
-              <a:rPr dirty="0" err="1"/>
-              <a:t>QnA</a:t>
-            </a:r>
-            <a:r>
-              <a:rPr dirty="0"/>
-              <a:t>
-Evaluation
-Functional Conversations
+              <a:t>Chain
+</a:t>
+            </a:r>
+            <a:r>
+              <a:t>QnA
+</a:t>
+            </a:r>
+            <a:r>
+              <a:t>Evaluation
+</a:t>
+            </a:r>
+            <a:r>
+              <a:t>Functional Conversations
 </a:t>
             </a:r>
           </a:p>
@@ -3957,15 +3779,15 @@
           </a:bodyPr>
           <a:lstStyle/>
           <a:p>
-            <a:pPr>
-              <a:defRPr sz="2000"/>
-            </a:pPr>
-            <a:r>
-              <a:rPr sz="4200" b="1" i="0" dirty="0">
+            <a:r>
+              <a:rPr sz="4200" b="1" i="0">
                 <a:latin typeface="Times New Roman"/>
               </a:rPr>
               <a:t>Model, Prompts, and Parsers</a:t>
             </a:r>
+            <a:endParaRPr sz="4200" b="1" i="0">
+              <a:latin typeface="Times New Roman"/>
+            </a:endParaRPr>
           </a:p>
         </p:txBody>
       </p:sp>
@@ -4011,7 +3833,7 @@
 </file>
 
 <file path=ppt/slides/slide20.xml><?xml version="1.0" encoding="utf-8"?>
-<p:sld xmlns:a="http://schemas.openxmlformats.org/drawingml/2006/main" xmlns:r="http://schemas.openxmlformats.org/officeDocument/2006/relationships" xmlns:p="http://schemas.openxmlformats.org/presentationml/2006/main">
+<p:sld xmlns:a="http://schemas.openxmlformats.org/drawingml/2006/main" xmlns:p="http://schemas.openxmlformats.org/presentationml/2006/main" xmlns:r="http://schemas.openxmlformats.org/officeDocument/2006/relationships">
   <p:cSld>
     <p:spTree>
       <p:nvGrpSpPr>
@@ -4019,14 +3841,7 @@
         <p:cNvGrpSpPr/>
         <p:nvPr/>
       </p:nvGrpSpPr>
-      <p:grpSpPr>
-        <a:xfrm>
-          <a:off x="0" y="0"/>
-          <a:ext cx="0" cy="0"/>
-          <a:chOff x="0" y="0"/>
-          <a:chExt cx="0" cy="0"/>
-        </a:xfrm>
-      </p:grpSpPr>
+      <p:grpSpPr/>
       <p:sp>
         <p:nvSpPr>
           <p:cNvPr id="2" name="Title 1"/>
@@ -4143,7 +3958,7 @@
 </file>
 
 <file path=ppt/slides/slide21.xml><?xml version="1.0" encoding="utf-8"?>
-<p:sld xmlns:a="http://schemas.openxmlformats.org/drawingml/2006/main" xmlns:r="http://schemas.openxmlformats.org/officeDocument/2006/relationships" xmlns:p="http://schemas.openxmlformats.org/presentationml/2006/main">
+<p:sld xmlns:a="http://schemas.openxmlformats.org/drawingml/2006/main" xmlns:p="http://schemas.openxmlformats.org/presentationml/2006/main" xmlns:r="http://schemas.openxmlformats.org/officeDocument/2006/relationships">
   <p:cSld>
     <p:spTree>
       <p:nvGrpSpPr>
@@ -4151,14 +3966,7 @@
         <p:cNvGrpSpPr/>
         <p:nvPr/>
       </p:nvGrpSpPr>
-      <p:grpSpPr>
-        <a:xfrm>
-          <a:off x="0" y="0"/>
-          <a:ext cx="0" cy="0"/>
-          <a:chOff x="0" y="0"/>
-          <a:chExt cx="0" cy="0"/>
-        </a:xfrm>
-      </p:grpSpPr>
+      <p:grpSpPr/>
       <p:sp>
         <p:nvSpPr>
           <p:cNvPr id="2" name="Title 1"/>
@@ -4196,40 +4004,24 @@
           <a:lstStyle/>
           <a:p>
             <a:r>
-              <a:rPr dirty="0"/>
               <a:t> Example:</a:t>
             </a:r>
-            <a:endParaRPr lang="en-US" dirty="0"/>
-          </a:p>
-          <a:p>
-            <a:endParaRPr lang="en-US" dirty="0"/>
-          </a:p>
-          <a:p>
-            <a:endParaRPr dirty="0"/>
-          </a:p>
-          <a:p>
-            <a:endParaRPr dirty="0"/>
-          </a:p>
-          <a:p>
-            <a:endParaRPr dirty="0"/>
-          </a:p>
-          <a:p>
-            <a:endParaRPr dirty="0"/>
-          </a:p>
-          <a:p>
-            <a:r>
-              <a:rPr b="1" dirty="0"/>
+          </a:p>
+          <a:p/>
+          <a:p/>
+          <a:p/>
+          <a:p>
+            <a:r>
+              <a:rPr b="1"/>
               <a:t> What this does</a:t>
             </a:r>
             <a:r>
-              <a:rPr dirty="0"/>
               <a:t> :</a:t>
             </a:r>
           </a:p>
           <a:p>
             <a:pPr lvl="1"/>
             <a:r>
-              <a:rPr dirty="0"/>
               <a:t> Simplifies the process of retrieving precise answers to user queries by leveraging well-constructed prompts.</a:t>
             </a:r>
           </a:p>
@@ -4284,8 +4076,8 @@
         </p:blipFill>
         <p:spPr>
           <a:xfrm>
-            <a:off x="704088" y="1710531"/>
-            <a:ext cx="8020812" cy="1631894"/>
+            <a:off x="0" y="1353312"/>
+            <a:ext cx="9550400" cy="2120900"/>
           </a:xfrm>
           <a:prstGeom prst="rect">
             <a:avLst/>
@@ -4301,7 +4093,7 @@
 </file>
 
 <file path=ppt/slides/slide22.xml><?xml version="1.0" encoding="utf-8"?>
-<p:sld xmlns:a="http://schemas.openxmlformats.org/drawingml/2006/main" xmlns:r="http://schemas.openxmlformats.org/officeDocument/2006/relationships" xmlns:p="http://schemas.openxmlformats.org/presentationml/2006/main">
+<p:sld xmlns:a="http://schemas.openxmlformats.org/drawingml/2006/main" xmlns:p="http://schemas.openxmlformats.org/presentationml/2006/main" xmlns:r="http://schemas.openxmlformats.org/officeDocument/2006/relationships">
   <p:cSld>
     <p:spTree>
       <p:nvGrpSpPr>
@@ -4309,14 +4101,7 @@
         <p:cNvGrpSpPr/>
         <p:nvPr/>
       </p:nvGrpSpPr>
-      <p:grpSpPr>
-        <a:xfrm>
-          <a:off x="0" y="0"/>
-          <a:ext cx="0" cy="0"/>
-          <a:chOff x="0" y="0"/>
-          <a:chExt cx="0" cy="0"/>
-        </a:xfrm>
-      </p:grpSpPr>
+      <p:grpSpPr/>
       <p:sp>
         <p:nvSpPr>
           <p:cNvPr id="2" name="Title 1"/>
@@ -4421,7 +4206,7 @@
 </file>
 
 <file path=ppt/slides/slide23.xml><?xml version="1.0" encoding="utf-8"?>
-<p:sld xmlns:a="http://schemas.openxmlformats.org/drawingml/2006/main" xmlns:r="http://schemas.openxmlformats.org/officeDocument/2006/relationships" xmlns:p="http://schemas.openxmlformats.org/presentationml/2006/main">
+<p:sld xmlns:a="http://schemas.openxmlformats.org/drawingml/2006/main" xmlns:p="http://schemas.openxmlformats.org/presentationml/2006/main" xmlns:r="http://schemas.openxmlformats.org/officeDocument/2006/relationships">
   <p:cSld>
     <p:spTree>
       <p:nvGrpSpPr>
@@ -4429,14 +4214,7 @@
         <p:cNvGrpSpPr/>
         <p:nvPr/>
       </p:nvGrpSpPr>
-      <p:grpSpPr>
-        <a:xfrm>
-          <a:off x="0" y="0"/>
-          <a:ext cx="0" cy="0"/>
-          <a:chOff x="0" y="0"/>
-          <a:chExt cx="0" cy="0"/>
-        </a:xfrm>
-      </p:grpSpPr>
+      <p:grpSpPr/>
       <p:sp>
         <p:nvSpPr>
           <p:cNvPr id="2" name="Subtitle 1"/>
@@ -4444,15 +4222,10 @@
             <a:spLocks noGrp="1"/>
           </p:cNvSpPr>
           <p:nvPr>
-            <p:ph type="subTitle" sz="quarter" idx="1"/>
-          </p:nvPr>
-        </p:nvSpPr>
-        <p:spPr>
-          <a:xfrm>
-            <a:off x="2498726" y="4984481"/>
-            <a:ext cx="6335713" cy="2995242"/>
-          </a:xfrm>
-        </p:spPr>
+            <p:ph type="subTitle" idx="1" sz="quarter"/>
+          </p:nvPr>
+        </p:nvSpPr>
+        <p:spPr/>
         <p:txBody>
           <a:bodyPr/>
           <a:lstStyle/>
@@ -4461,28 +4234,27 @@
               <a:defRPr sz="2300"/>
             </a:pPr>
             <a:r>
-              <a:rPr dirty="0"/>
               <a:t>Model, Prompts, and Parsers
-Memory
-Chain
 </a:t>
             </a:r>
             <a:r>
-              <a:rPr dirty="0" err="1"/>
-              <a:t>QnA</a:t>
-            </a:r>
-            <a:r>
-              <a:rPr dirty="0"/>
-              <a:t>
+              <a:t>Memory
 </a:t>
             </a:r>
             <a:r>
-              <a:rPr b="1" dirty="0"/>
+              <a:t>Chain
+</a:t>
+            </a:r>
+            <a:r>
+              <a:t>QnA
+</a:t>
+            </a:r>
+            <a:r>
+              <a:rPr b="1"/>
               <a:t>Evaluation
 </a:t>
             </a:r>
             <a:r>
-              <a:rPr dirty="0"/>
               <a:t>Functional Conversations
 </a:t>
             </a:r>
@@ -4507,11 +4279,14 @@
           <a:lstStyle/>
           <a:p>
             <a:r>
-              <a:rPr sz="4200" b="1" i="0" dirty="0">
+              <a:rPr sz="4200" b="1" i="0">
                 <a:latin typeface="Times New Roman"/>
               </a:rPr>
               <a:t>Evaluation</a:t>
             </a:r>
+            <a:endParaRPr sz="4200" b="1" i="0">
+              <a:latin typeface="Times New Roman"/>
+            </a:endParaRPr>
           </a:p>
         </p:txBody>
       </p:sp>
@@ -4557,7 +4332,7 @@
 </file>
 
 <file path=ppt/slides/slide24.xml><?xml version="1.0" encoding="utf-8"?>
-<p:sld xmlns:a="http://schemas.openxmlformats.org/drawingml/2006/main" xmlns:r="http://schemas.openxmlformats.org/officeDocument/2006/relationships" xmlns:p="http://schemas.openxmlformats.org/presentationml/2006/main">
+<p:sld xmlns:a="http://schemas.openxmlformats.org/drawingml/2006/main" xmlns:p="http://schemas.openxmlformats.org/presentationml/2006/main" xmlns:r="http://schemas.openxmlformats.org/officeDocument/2006/relationships">
   <p:cSld>
     <p:spTree>
       <p:nvGrpSpPr>
@@ -4565,14 +4340,7 @@
         <p:cNvGrpSpPr/>
         <p:nvPr/>
       </p:nvGrpSpPr>
-      <p:grpSpPr>
-        <a:xfrm>
-          <a:off x="0" y="0"/>
-          <a:ext cx="0" cy="0"/>
-          <a:chOff x="0" y="0"/>
-          <a:chExt cx="0" cy="0"/>
-        </a:xfrm>
-      </p:grpSpPr>
+      <p:grpSpPr/>
       <p:sp>
         <p:nvSpPr>
           <p:cNvPr id="2" name="Title 1"/>
@@ -4674,7 +4442,7 @@
 </file>
 
 <file path=ppt/slides/slide25.xml><?xml version="1.0" encoding="utf-8"?>
-<p:sld xmlns:a="http://schemas.openxmlformats.org/drawingml/2006/main" xmlns:r="http://schemas.openxmlformats.org/officeDocument/2006/relationships" xmlns:p="http://schemas.openxmlformats.org/presentationml/2006/main">
+<p:sld xmlns:a="http://schemas.openxmlformats.org/drawingml/2006/main" xmlns:p="http://schemas.openxmlformats.org/presentationml/2006/main" xmlns:r="http://schemas.openxmlformats.org/officeDocument/2006/relationships">
   <p:cSld>
     <p:spTree>
       <p:nvGrpSpPr>
@@ -4682,14 +4450,7 @@
         <p:cNvGrpSpPr/>
         <p:nvPr/>
       </p:nvGrpSpPr>
-      <p:grpSpPr>
-        <a:xfrm>
-          <a:off x="0" y="0"/>
-          <a:ext cx="0" cy="0"/>
-          <a:chOff x="0" y="0"/>
-          <a:chExt cx="0" cy="0"/>
-        </a:xfrm>
-      </p:grpSpPr>
+      <p:grpSpPr/>
       <p:sp>
         <p:nvSpPr>
           <p:cNvPr id="2" name="Title 1"/>
@@ -4727,37 +4488,23 @@
           <a:lstStyle/>
           <a:p>
             <a:r>
-              <a:rPr dirty="0"/>
               <a:t> Example of evaluating outputs:</a:t>
             </a:r>
-            <a:endParaRPr lang="en-US" dirty="0"/>
-          </a:p>
-          <a:p>
-            <a:endParaRPr lang="en-US" dirty="0"/>
-          </a:p>
-          <a:p>
-            <a:endParaRPr dirty="0"/>
-          </a:p>
-          <a:p>
-            <a:endParaRPr dirty="0"/>
-          </a:p>
-          <a:p>
-            <a:endParaRPr dirty="0"/>
-          </a:p>
-          <a:p>
-            <a:r>
-              <a:rPr b="1" dirty="0"/>
+          </a:p>
+          <a:p/>
+          <a:p/>
+          <a:p>
+            <a:r>
+              <a:rPr b="1"/>
               <a:t> Why this is important</a:t>
             </a:r>
             <a:r>
-              <a:rPr dirty="0"/>
               <a:t> :</a:t>
             </a:r>
           </a:p>
           <a:p>
             <a:pPr lvl="1"/>
             <a:r>
-              <a:rPr dirty="0"/>
               <a:t> Evaluation ensures that workflows meet quality standards and function correctly.</a:t>
             </a:r>
           </a:p>
@@ -4812,8 +4559,8 @@
         </p:blipFill>
         <p:spPr>
           <a:xfrm>
-            <a:off x="708321" y="1634331"/>
-            <a:ext cx="6807200" cy="1219200"/>
+            <a:off x="0" y="1353312"/>
+            <a:ext cx="6807200" cy="1320800"/>
           </a:xfrm>
           <a:prstGeom prst="rect">
             <a:avLst/>
@@ -4829,7 +4576,7 @@
 </file>
 
 <file path=ppt/slides/slide26.xml><?xml version="1.0" encoding="utf-8"?>
-<p:sld xmlns:a="http://schemas.openxmlformats.org/drawingml/2006/main" xmlns:r="http://schemas.openxmlformats.org/officeDocument/2006/relationships" xmlns:p="http://schemas.openxmlformats.org/presentationml/2006/main">
+<p:sld xmlns:a="http://schemas.openxmlformats.org/drawingml/2006/main" xmlns:p="http://schemas.openxmlformats.org/presentationml/2006/main" xmlns:r="http://schemas.openxmlformats.org/officeDocument/2006/relationships">
   <p:cSld>
     <p:spTree>
       <p:nvGrpSpPr>
@@ -4837,14 +4584,7 @@
         <p:cNvGrpSpPr/>
         <p:nvPr/>
       </p:nvGrpSpPr>
-      <p:grpSpPr>
-        <a:xfrm>
-          <a:off x="0" y="0"/>
-          <a:ext cx="0" cy="0"/>
-          <a:chOff x="0" y="0"/>
-          <a:chExt cx="0" cy="0"/>
-        </a:xfrm>
-      </p:grpSpPr>
+      <p:grpSpPr/>
       <p:sp>
         <p:nvSpPr>
           <p:cNvPr id="2" name="Title 1"/>
@@ -4955,7 +4695,7 @@
 </file>
 
 <file path=ppt/slides/slide27.xml><?xml version="1.0" encoding="utf-8"?>
-<p:sld xmlns:a="http://schemas.openxmlformats.org/drawingml/2006/main" xmlns:r="http://schemas.openxmlformats.org/officeDocument/2006/relationships" xmlns:p="http://schemas.openxmlformats.org/presentationml/2006/main">
+<p:sld xmlns:a="http://schemas.openxmlformats.org/drawingml/2006/main" xmlns:p="http://schemas.openxmlformats.org/presentationml/2006/main" xmlns:r="http://schemas.openxmlformats.org/officeDocument/2006/relationships">
   <p:cSld>
     <p:spTree>
       <p:nvGrpSpPr>
@@ -4963,14 +4703,7 @@
         <p:cNvGrpSpPr/>
         <p:nvPr/>
       </p:nvGrpSpPr>
-      <p:grpSpPr>
-        <a:xfrm>
-          <a:off x="0" y="0"/>
-          <a:ext cx="0" cy="0"/>
-          <a:chOff x="0" y="0"/>
-          <a:chExt cx="0" cy="0"/>
-        </a:xfrm>
-      </p:grpSpPr>
+      <p:grpSpPr/>
       <p:sp>
         <p:nvSpPr>
           <p:cNvPr id="2" name="Subtitle 1"/>
@@ -4978,15 +4711,10 @@
             <a:spLocks noGrp="1"/>
           </p:cNvSpPr>
           <p:nvPr>
-            <p:ph type="subTitle" sz="quarter" idx="1"/>
-          </p:nvPr>
-        </p:nvSpPr>
-        <p:spPr>
-          <a:xfrm>
-            <a:off x="2498726" y="4984481"/>
-            <a:ext cx="6335713" cy="2995242"/>
-          </a:xfrm>
-        </p:spPr>
+            <p:ph type="subTitle" idx="1" sz="quarter"/>
+          </p:nvPr>
+        </p:nvSpPr>
+        <p:spPr/>
         <p:txBody>
           <a:bodyPr/>
           <a:lstStyle/>
@@ -4995,24 +4723,27 @@
               <a:defRPr sz="2300"/>
             </a:pPr>
             <a:r>
-              <a:rPr dirty="0"/>
               <a:t>Model, Prompts, and Parsers
-Memory
-Chain
 </a:t>
             </a:r>
             <a:r>
-              <a:rPr dirty="0" err="1"/>
-              <a:t>QnA</a:t>
-            </a:r>
-            <a:r>
-              <a:rPr dirty="0"/>
-              <a:t>
-Evaluation
+              <a:t>Memory
 </a:t>
             </a:r>
             <a:r>
-              <a:rPr b="1" dirty="0"/>
+              <a:t>Chain
+</a:t>
+            </a:r>
+            <a:r>
+              <a:t>QnA
+</a:t>
+            </a:r>
+            <a:r>
+              <a:t>Evaluation
+</a:t>
+            </a:r>
+            <a:r>
+              <a:rPr b="1"/>
               <a:t>Functional Conversations
 </a:t>
             </a:r>
@@ -5037,11 +4768,14 @@
           <a:lstStyle/>
           <a:p>
             <a:r>
-              <a:rPr sz="4200" b="1" i="0" dirty="0">
+              <a:rPr sz="4200" b="1" i="0">
                 <a:latin typeface="Times New Roman"/>
               </a:rPr>
               <a:t>Functional Conversations</a:t>
             </a:r>
+            <a:endParaRPr sz="4200" b="1" i="0">
+              <a:latin typeface="Times New Roman"/>
+            </a:endParaRPr>
           </a:p>
         </p:txBody>
       </p:sp>
@@ -5087,7 +4821,7 @@
 </file>
 
 <file path=ppt/slides/slide28.xml><?xml version="1.0" encoding="utf-8"?>
-<p:sld xmlns:a="http://schemas.openxmlformats.org/drawingml/2006/main" xmlns:r="http://schemas.openxmlformats.org/officeDocument/2006/relationships" xmlns:p="http://schemas.openxmlformats.org/presentationml/2006/main">
+<p:sld xmlns:a="http://schemas.openxmlformats.org/drawingml/2006/main" xmlns:p="http://schemas.openxmlformats.org/presentationml/2006/main" xmlns:r="http://schemas.openxmlformats.org/officeDocument/2006/relationships">
   <p:cSld>
     <p:spTree>
       <p:nvGrpSpPr>
@@ -5095,14 +4829,7 @@
         <p:cNvGrpSpPr/>
         <p:nvPr/>
       </p:nvGrpSpPr>
-      <p:grpSpPr>
-        <a:xfrm>
-          <a:off x="0" y="0"/>
-          <a:ext cx="0" cy="0"/>
-          <a:chOff x="0" y="0"/>
-          <a:chExt cx="0" cy="0"/>
-        </a:xfrm>
-      </p:grpSpPr>
+      <p:grpSpPr/>
       <p:sp>
         <p:nvSpPr>
           <p:cNvPr id="2" name="Title 1"/>
@@ -5204,7 +4931,7 @@
 </file>
 
 <file path=ppt/slides/slide29.xml><?xml version="1.0" encoding="utf-8"?>
-<p:sld xmlns:a="http://schemas.openxmlformats.org/drawingml/2006/main" xmlns:r="http://schemas.openxmlformats.org/officeDocument/2006/relationships" xmlns:p="http://schemas.openxmlformats.org/presentationml/2006/main">
+<p:sld xmlns:a="http://schemas.openxmlformats.org/drawingml/2006/main" xmlns:p="http://schemas.openxmlformats.org/presentationml/2006/main" xmlns:r="http://schemas.openxmlformats.org/officeDocument/2006/relationships">
   <p:cSld>
     <p:spTree>
       <p:nvGrpSpPr>
@@ -5212,14 +4939,7 @@
         <p:cNvGrpSpPr/>
         <p:nvPr/>
       </p:nvGrpSpPr>
-      <p:grpSpPr>
-        <a:xfrm>
-          <a:off x="0" y="0"/>
-          <a:ext cx="0" cy="0"/>
-          <a:chOff x="0" y="0"/>
-          <a:chExt cx="0" cy="0"/>
-        </a:xfrm>
-      </p:grpSpPr>
+      <p:grpSpPr/>
       <p:sp>
         <p:nvSpPr>
           <p:cNvPr id="2" name="Title 1"/>
@@ -5257,37 +4977,23 @@
           <a:lstStyle/>
           <a:p>
             <a:r>
-              <a:rPr dirty="0"/>
               <a:t> Example:</a:t>
             </a:r>
-            <a:endParaRPr lang="en-US" dirty="0"/>
-          </a:p>
-          <a:p>
-            <a:endParaRPr lang="en-US" dirty="0"/>
-          </a:p>
-          <a:p>
-            <a:endParaRPr dirty="0"/>
-          </a:p>
-          <a:p>
-            <a:endParaRPr dirty="0"/>
-          </a:p>
-          <a:p>
-            <a:endParaRPr dirty="0"/>
-          </a:p>
-          <a:p>
-            <a:r>
-              <a:rPr b="1" dirty="0"/>
+          </a:p>
+          <a:p/>
+          <a:p/>
+          <a:p>
+            <a:r>
+              <a:rPr b="1"/>
               <a:t> Why this is important</a:t>
             </a:r>
             <a:r>
-              <a:rPr dirty="0"/>
               <a:t> :</a:t>
             </a:r>
           </a:p>
           <a:p>
             <a:pPr lvl="1"/>
             <a:r>
-              <a:rPr dirty="0"/>
               <a:t> Functional components allow AI systems to handle tasks dynamically and flexibly.</a:t>
             </a:r>
           </a:p>
@@ -5342,8 +5048,8 @@
         </p:blipFill>
         <p:spPr>
           <a:xfrm>
-            <a:off x="699855" y="1558131"/>
-            <a:ext cx="8178800" cy="1460500"/>
+            <a:off x="0" y="1353312"/>
+            <a:ext cx="8178800" cy="1587500"/>
           </a:xfrm>
           <a:prstGeom prst="rect">
             <a:avLst/>
@@ -5359,7 +5065,7 @@
 </file>
 
 <file path=ppt/slides/slide3.xml><?xml version="1.0" encoding="utf-8"?>
-<p:sld xmlns:a="http://schemas.openxmlformats.org/drawingml/2006/main" xmlns:r="http://schemas.openxmlformats.org/officeDocument/2006/relationships" xmlns:p="http://schemas.openxmlformats.org/presentationml/2006/main">
+<p:sld xmlns:a="http://schemas.openxmlformats.org/drawingml/2006/main" xmlns:p="http://schemas.openxmlformats.org/presentationml/2006/main" xmlns:r="http://schemas.openxmlformats.org/officeDocument/2006/relationships">
   <p:cSld>
     <p:spTree>
       <p:nvGrpSpPr>
@@ -5367,14 +5073,7 @@
         <p:cNvGrpSpPr/>
         <p:nvPr/>
       </p:nvGrpSpPr>
-      <p:grpSpPr>
-        <a:xfrm>
-          <a:off x="0" y="0"/>
-          <a:ext cx="0" cy="0"/>
-          <a:chOff x="0" y="0"/>
-          <a:chExt cx="0" cy="0"/>
-        </a:xfrm>
-      </p:grpSpPr>
+      <p:grpSpPr/>
       <p:sp>
         <p:nvSpPr>
           <p:cNvPr id="2" name="Title 1"/>
@@ -5503,7 +5202,7 @@
 </file>
 
 <file path=ppt/slides/slide30.xml><?xml version="1.0" encoding="utf-8"?>
-<p:sld xmlns:a="http://schemas.openxmlformats.org/drawingml/2006/main" xmlns:r="http://schemas.openxmlformats.org/officeDocument/2006/relationships" xmlns:p="http://schemas.openxmlformats.org/presentationml/2006/main">
+<p:sld xmlns:a="http://schemas.openxmlformats.org/drawingml/2006/main" xmlns:p="http://schemas.openxmlformats.org/presentationml/2006/main" xmlns:r="http://schemas.openxmlformats.org/officeDocument/2006/relationships">
   <p:cSld>
     <p:spTree>
       <p:nvGrpSpPr>
@@ -5511,14 +5210,7 @@
         <p:cNvGrpSpPr/>
         <p:nvPr/>
       </p:nvGrpSpPr>
-      <p:grpSpPr>
-        <a:xfrm>
-          <a:off x="0" y="0"/>
-          <a:ext cx="0" cy="0"/>
-          <a:chOff x="0" y="0"/>
-          <a:chExt cx="0" cy="0"/>
-        </a:xfrm>
-      </p:grpSpPr>
+      <p:grpSpPr/>
       <p:sp>
         <p:nvSpPr>
           <p:cNvPr id="2" name="Title 1"/>
@@ -5629,7 +5321,7 @@
 </file>
 
 <file path=ppt/slides/slide4.xml><?xml version="1.0" encoding="utf-8"?>
-<p:sld xmlns:a="http://schemas.openxmlformats.org/drawingml/2006/main" xmlns:r="http://schemas.openxmlformats.org/officeDocument/2006/relationships" xmlns:p="http://schemas.openxmlformats.org/presentationml/2006/main">
+<p:sld xmlns:a="http://schemas.openxmlformats.org/drawingml/2006/main" xmlns:p="http://schemas.openxmlformats.org/presentationml/2006/main" xmlns:r="http://schemas.openxmlformats.org/officeDocument/2006/relationships">
   <p:cSld>
     <p:spTree>
       <p:nvGrpSpPr>
@@ -5637,14 +5329,7 @@
         <p:cNvGrpSpPr/>
         <p:nvPr/>
       </p:nvGrpSpPr>
-      <p:grpSpPr>
-        <a:xfrm>
-          <a:off x="0" y="0"/>
-          <a:ext cx="0" cy="0"/>
-          <a:chOff x="0" y="0"/>
-          <a:chExt cx="0" cy="0"/>
-        </a:xfrm>
-      </p:grpSpPr>
+      <p:grpSpPr/>
       <p:sp>
         <p:nvSpPr>
           <p:cNvPr id="2" name="Title 1"/>
@@ -5682,40 +5367,24 @@
           <a:lstStyle/>
           <a:p>
             <a:r>
-              <a:rPr dirty="0"/>
               <a:t> Import required libraries:</a:t>
             </a:r>
-            <a:endParaRPr lang="en-US" dirty="0"/>
-          </a:p>
-          <a:p>
-            <a:endParaRPr lang="en-US" dirty="0"/>
-          </a:p>
-          <a:p>
-            <a:endParaRPr dirty="0"/>
-          </a:p>
-          <a:p>
-            <a:endParaRPr dirty="0"/>
-          </a:p>
-          <a:p>
-            <a:endParaRPr dirty="0"/>
-          </a:p>
-          <a:p>
-            <a:endParaRPr dirty="0"/>
-          </a:p>
-          <a:p>
-            <a:r>
-              <a:rPr b="1" dirty="0"/>
+          </a:p>
+          <a:p/>
+          <a:p/>
+          <a:p/>
+          <a:p>
+            <a:r>
+              <a:rPr b="1"/>
               <a:t> Key Insight</a:t>
             </a:r>
             <a:r>
-              <a:rPr dirty="0"/>
               <a:t> :</a:t>
             </a:r>
           </a:p>
           <a:p>
             <a:pPr lvl="1"/>
             <a:r>
-              <a:rPr dirty="0"/>
               <a:t> This setup avoids hardcoding sensitive information like API keys, ensuring security and flexibility.</a:t>
             </a:r>
           </a:p>
@@ -5770,8 +5439,8 @@
         </p:blipFill>
         <p:spPr>
           <a:xfrm>
-            <a:off x="704088" y="1634331"/>
-            <a:ext cx="7868412" cy="1550540"/>
+            <a:off x="0" y="1353312"/>
+            <a:ext cx="8636000" cy="1854200"/>
           </a:xfrm>
           <a:prstGeom prst="rect">
             <a:avLst/>
@@ -5787,7 +5456,7 @@
 </file>
 
 <file path=ppt/slides/slide5.xml><?xml version="1.0" encoding="utf-8"?>
-<p:sld xmlns:a="http://schemas.openxmlformats.org/drawingml/2006/main" xmlns:r="http://schemas.openxmlformats.org/officeDocument/2006/relationships" xmlns:p="http://schemas.openxmlformats.org/presentationml/2006/main">
+<p:sld xmlns:a="http://schemas.openxmlformats.org/drawingml/2006/main" xmlns:p="http://schemas.openxmlformats.org/presentationml/2006/main" xmlns:r="http://schemas.openxmlformats.org/officeDocument/2006/relationships">
   <p:cSld>
     <p:spTree>
       <p:nvGrpSpPr>
@@ -5795,14 +5464,7 @@
         <p:cNvGrpSpPr/>
         <p:nvPr/>
       </p:nvGrpSpPr>
-      <p:grpSpPr>
-        <a:xfrm>
-          <a:off x="0" y="0"/>
-          <a:ext cx="0" cy="0"/>
-          <a:chOff x="0" y="0"/>
-          <a:chExt cx="0" cy="0"/>
-        </a:xfrm>
-      </p:grpSpPr>
+      <p:grpSpPr/>
       <p:sp>
         <p:nvSpPr>
           <p:cNvPr id="2" name="Title 1"/>
@@ -5840,47 +5502,30 @@
           <a:lstStyle/>
           <a:p>
             <a:r>
-              <a:rPr dirty="0"/>
               <a:t> Example of a simple prompt:</a:t>
             </a:r>
-            <a:endParaRPr lang="en-US" dirty="0"/>
-          </a:p>
-          <a:p>
-            <a:endParaRPr lang="en-US" dirty="0"/>
-          </a:p>
-          <a:p>
-            <a:endParaRPr dirty="0"/>
-          </a:p>
-          <a:p>
-            <a:endParaRPr dirty="0"/>
-          </a:p>
-          <a:p>
-            <a:pPr marL="0" indent="0">
-              <a:buNone/>
-            </a:pPr>
-            <a:endParaRPr dirty="0"/>
-          </a:p>
-          <a:p>
-            <a:r>
-              <a:rPr b="1" dirty="0"/>
+          </a:p>
+          <a:p/>
+          <a:p/>
+          <a:p/>
+          <a:p>
+            <a:r>
+              <a:rPr b="1"/>
               <a:t> Key Insight</a:t>
             </a:r>
             <a:r>
-              <a:rPr dirty="0"/>
               <a:t> :</a:t>
             </a:r>
           </a:p>
           <a:p>
             <a:pPr lvl="1"/>
             <a:r>
-              <a:rPr dirty="0"/>
               <a:t> Clear and concise prompts improve the relevance and quality of model responses.</a:t>
             </a:r>
           </a:p>
           <a:p>
             <a:pPr lvl="1"/>
             <a:r>
-              <a:rPr dirty="0"/>
               <a:t> This example demonstrates creative content generation, showcasing OpenAI’s capability for storytelling.</a:t>
             </a:r>
           </a:p>
@@ -5935,8 +5580,8 @@
         </p:blipFill>
         <p:spPr>
           <a:xfrm>
-            <a:off x="704088" y="1634331"/>
-            <a:ext cx="8020812" cy="1467924"/>
+            <a:off x="0" y="1353312"/>
+            <a:ext cx="10617200" cy="2120900"/>
           </a:xfrm>
           <a:prstGeom prst="rect">
             <a:avLst/>
@@ -5952,7 +5597,7 @@
 </file>
 
 <file path=ppt/slides/slide6.xml><?xml version="1.0" encoding="utf-8"?>
-<p:sld xmlns:a="http://schemas.openxmlformats.org/drawingml/2006/main" xmlns:r="http://schemas.openxmlformats.org/officeDocument/2006/relationships" xmlns:p="http://schemas.openxmlformats.org/presentationml/2006/main">
+<p:sld xmlns:a="http://schemas.openxmlformats.org/drawingml/2006/main" xmlns:p="http://schemas.openxmlformats.org/presentationml/2006/main" xmlns:r="http://schemas.openxmlformats.org/officeDocument/2006/relationships">
   <p:cSld>
     <p:spTree>
       <p:nvGrpSpPr>
@@ -5960,14 +5605,7 @@
         <p:cNvGrpSpPr/>
         <p:nvPr/>
       </p:nvGrpSpPr>
-      <p:grpSpPr>
-        <a:xfrm>
-          <a:off x="0" y="0"/>
-          <a:ext cx="0" cy="0"/>
-          <a:chOff x="0" y="0"/>
-          <a:chExt cx="0" cy="0"/>
-        </a:xfrm>
-      </p:grpSpPr>
+      <p:grpSpPr/>
       <p:sp>
         <p:nvSpPr>
           <p:cNvPr id="2" name="Title 1"/>
@@ -6005,44 +5643,29 @@
           <a:lstStyle/>
           <a:p>
             <a:r>
-              <a:rPr dirty="0"/>
               <a:t> Parse model outputs for structured results:</a:t>
             </a:r>
-            <a:endParaRPr lang="en-US" dirty="0"/>
-          </a:p>
-          <a:p>
-            <a:endParaRPr lang="en-US" dirty="0"/>
-          </a:p>
-          <a:p>
-            <a:endParaRPr dirty="0"/>
-          </a:p>
-          <a:p>
-            <a:endParaRPr dirty="0"/>
-          </a:p>
-          <a:p>
-            <a:endParaRPr dirty="0"/>
-          </a:p>
-          <a:p>
-            <a:r>
-              <a:rPr b="1" dirty="0"/>
+          </a:p>
+          <a:p/>
+          <a:p/>
+          <a:p>
+            <a:r>
+              <a:rPr b="1"/>
               <a:t> Why Parsers Matter</a:t>
             </a:r>
             <a:r>
-              <a:rPr dirty="0"/>
               <a:t> :</a:t>
             </a:r>
           </a:p>
           <a:p>
             <a:pPr lvl="1"/>
             <a:r>
-              <a:rPr dirty="0"/>
               <a:t> AI outputs are often free-form text; parsers convert them into structured formats like JSON for easier downstream processing.</a:t>
             </a:r>
           </a:p>
           <a:p>
             <a:pPr lvl="1"/>
             <a:r>
-              <a:rPr dirty="0"/>
               <a:t> Parsing enhances automation and usability, especially in workflows requiring integration with databases or analytics.</a:t>
             </a:r>
           </a:p>
@@ -6097,8 +5720,8 @@
         </p:blipFill>
         <p:spPr>
           <a:xfrm>
-            <a:off x="704088" y="1558131"/>
-            <a:ext cx="7569200" cy="1460500"/>
+            <a:off x="0" y="1353312"/>
+            <a:ext cx="7569200" cy="1587500"/>
           </a:xfrm>
           <a:prstGeom prst="rect">
             <a:avLst/>
@@ -6114,7 +5737,7 @@
 </file>
 
 <file path=ppt/slides/slide7.xml><?xml version="1.0" encoding="utf-8"?>
-<p:sld xmlns:a="http://schemas.openxmlformats.org/drawingml/2006/main" xmlns:r="http://schemas.openxmlformats.org/officeDocument/2006/relationships" xmlns:p="http://schemas.openxmlformats.org/presentationml/2006/main">
+<p:sld xmlns:a="http://schemas.openxmlformats.org/drawingml/2006/main" xmlns:p="http://schemas.openxmlformats.org/presentationml/2006/main" xmlns:r="http://schemas.openxmlformats.org/officeDocument/2006/relationships">
   <p:cSld>
     <p:spTree>
       <p:nvGrpSpPr>
@@ -6122,14 +5745,7 @@
         <p:cNvGrpSpPr/>
         <p:nvPr/>
       </p:nvGrpSpPr>
-      <p:grpSpPr>
-        <a:xfrm>
-          <a:off x="0" y="0"/>
-          <a:ext cx="0" cy="0"/>
-          <a:chOff x="0" y="0"/>
-          <a:chExt cx="0" cy="0"/>
-        </a:xfrm>
-      </p:grpSpPr>
+      <p:grpSpPr/>
       <p:sp>
         <p:nvSpPr>
           <p:cNvPr id="2" name="Title 1"/>
@@ -6167,40 +5783,24 @@
           <a:lstStyle/>
           <a:p>
             <a:r>
-              <a:rPr dirty="0"/>
               <a:t> Example workflow:</a:t>
             </a:r>
-            <a:endParaRPr lang="en-US" dirty="0"/>
-          </a:p>
-          <a:p>
-            <a:endParaRPr lang="en-US" dirty="0"/>
-          </a:p>
-          <a:p>
-            <a:endParaRPr dirty="0"/>
-          </a:p>
-          <a:p>
-            <a:endParaRPr dirty="0"/>
-          </a:p>
-          <a:p>
-            <a:endParaRPr dirty="0"/>
-          </a:p>
-          <a:p>
-            <a:endParaRPr dirty="0"/>
-          </a:p>
-          <a:p>
-            <a:r>
-              <a:rPr b="1" dirty="0"/>
+          </a:p>
+          <a:p/>
+          <a:p/>
+          <a:p/>
+          <a:p>
+            <a:r>
+              <a:rPr b="1"/>
               <a:t> What this does</a:t>
             </a:r>
             <a:r>
-              <a:rPr dirty="0"/>
               <a:t> :</a:t>
             </a:r>
           </a:p>
           <a:p>
             <a:pPr lvl="1"/>
             <a:r>
-              <a:rPr dirty="0"/>
               <a:t> This combination allows seamless interaction between natural language prompts and structured outputs, bridging the gap between human-readable and machine-readable formats.</a:t>
             </a:r>
           </a:p>
@@ -6255,8 +5855,8 @@
         </p:blipFill>
         <p:spPr>
           <a:xfrm>
-            <a:off x="704088" y="1710531"/>
-            <a:ext cx="8470604" cy="1524000"/>
+            <a:off x="0" y="1353312"/>
+            <a:ext cx="8915400" cy="1753238"/>
           </a:xfrm>
           <a:prstGeom prst="rect">
             <a:avLst/>
@@ -6272,7 +5872,7 @@
 </file>
 
 <file path=ppt/slides/slide8.xml><?xml version="1.0" encoding="utf-8"?>
-<p:sld xmlns:a="http://schemas.openxmlformats.org/drawingml/2006/main" xmlns:r="http://schemas.openxmlformats.org/officeDocument/2006/relationships" xmlns:p="http://schemas.openxmlformats.org/presentationml/2006/main">
+<p:sld xmlns:a="http://schemas.openxmlformats.org/drawingml/2006/main" xmlns:p="http://schemas.openxmlformats.org/presentationml/2006/main" xmlns:r="http://schemas.openxmlformats.org/officeDocument/2006/relationships">
   <p:cSld>
     <p:spTree>
       <p:nvGrpSpPr>
@@ -6280,14 +5880,7 @@
         <p:cNvGrpSpPr/>
         <p:nvPr/>
       </p:nvGrpSpPr>
-      <p:grpSpPr>
-        <a:xfrm>
-          <a:off x="0" y="0"/>
-          <a:ext cx="0" cy="0"/>
-          <a:chOff x="0" y="0"/>
-          <a:chExt cx="0" cy="0"/>
-        </a:xfrm>
-      </p:grpSpPr>
+      <p:grpSpPr/>
       <p:sp>
         <p:nvSpPr>
           <p:cNvPr id="2" name="Title 1"/>
@@ -6404,7 +5997,7 @@
 </file>
 
 <file path=ppt/slides/slide9.xml><?xml version="1.0" encoding="utf-8"?>
-<p:sld xmlns:a="http://schemas.openxmlformats.org/drawingml/2006/main" xmlns:r="http://schemas.openxmlformats.org/officeDocument/2006/relationships" xmlns:p="http://schemas.openxmlformats.org/presentationml/2006/main">
+<p:sld xmlns:a="http://schemas.openxmlformats.org/drawingml/2006/main" xmlns:p="http://schemas.openxmlformats.org/presentationml/2006/main" xmlns:r="http://schemas.openxmlformats.org/officeDocument/2006/relationships">
   <p:cSld>
     <p:spTree>
       <p:nvGrpSpPr>
@@ -6412,14 +6005,7 @@
         <p:cNvGrpSpPr/>
         <p:nvPr/>
       </p:nvGrpSpPr>
-      <p:grpSpPr>
-        <a:xfrm>
-          <a:off x="0" y="0"/>
-          <a:ext cx="0" cy="0"/>
-          <a:chOff x="0" y="0"/>
-          <a:chExt cx="0" cy="0"/>
-        </a:xfrm>
-      </p:grpSpPr>
+      <p:grpSpPr/>
       <p:sp>
         <p:nvSpPr>
           <p:cNvPr id="2" name="Subtitle 1"/>
@@ -6427,15 +6013,10 @@
             <a:spLocks noGrp="1"/>
           </p:cNvSpPr>
           <p:nvPr>
-            <p:ph type="subTitle" sz="quarter" idx="1"/>
-          </p:nvPr>
-        </p:nvSpPr>
-        <p:spPr>
-          <a:xfrm>
-            <a:off x="2498726" y="4984481"/>
-            <a:ext cx="6335713" cy="2995242"/>
-          </a:xfrm>
-        </p:spPr>
+            <p:ph type="subTitle" idx="1" sz="quarter"/>
+          </p:nvPr>
+        </p:nvSpPr>
+        <p:spPr/>
         <p:txBody>
           <a:bodyPr/>
           <a:lstStyle/>
@@ -6444,29 +6025,28 @@
               <a:defRPr sz="2300"/>
             </a:pPr>
             <a:r>
-              <a:rPr dirty="0"/>
               <a:t>Model, Prompts, and Parsers
 </a:t>
             </a:r>
             <a:r>
-              <a:rPr b="1" dirty="0"/>
+              <a:rPr b="1"/>
               <a:t>Memory
 </a:t>
             </a:r>
             <a:r>
-              <a:rPr dirty="0"/>
               <a:t>Chain
 </a:t>
             </a:r>
             <a:r>
-              <a:rPr dirty="0" err="1"/>
-              <a:t>QnA</a:t>
-            </a:r>
-            <a:r>
-              <a:rPr dirty="0"/>
-              <a:t>
-Evaluation
-Functional Conversations
+              <a:t>QnA
+</a:t>
+            </a:r>
+            <a:r>
+              <a:t>Evaluation
+</a:t>
+            </a:r>
+            <a:r>
+              <a:t>Functional Conversations
 </a:t>
             </a:r>
           </a:p>
@@ -6490,11 +6070,14 @@
           <a:lstStyle/>
           <a:p>
             <a:r>
-              <a:rPr sz="4200" b="1" i="0" dirty="0">
+              <a:rPr sz="4200" b="1" i="0">
                 <a:latin typeface="Times New Roman"/>
               </a:rPr>
               <a:t>Memory</a:t>
             </a:r>
+            <a:endParaRPr sz="4200" b="1" i="0">
+              <a:latin typeface="Times New Roman"/>
+            </a:endParaRPr>
           </a:p>
         </p:txBody>
       </p:sp>
